--- a/Courses/Computer-Modeling-and-IT/Computer-Modeling-and-IT-6-Class/02-Operating-System-and-Settings/02-Operating-System-and-Settings.pptx
+++ b/Courses/Computer-Modeling-and-IT/Computer-Modeling-and-IT-6-Class/02-Operating-System-and-Settings/02-Operating-System-and-Settings.pptx
@@ -291,7 +291,7 @@
           <a:p>
             <a:fld id="{4E087215-0C8F-4762-A664-737A353EC9A4}" type="datetimeFigureOut">
               <a:rPr lang="bg-BG" smtClean="0"/>
-              <a:t>13.5.2024 г.</a:t>
+              <a:t>13.05.24 г.</a:t>
             </a:fld>
             <a:endParaRPr lang="bg-BG"/>
           </a:p>
@@ -487,7 +487,7 @@
           <a:p>
             <a:fld id="{72D84649-876A-46C9-8472-14CB09C070D8}" type="datetimeFigureOut">
               <a:rPr lang="en-US" smtClean="0"/>
-              <a:t>13-May-24</a:t>
+              <a:t>5/13/24</a:t>
             </a:fld>
             <a:endParaRPr lang="en-US"/>
           </a:p>
@@ -7403,6 +7403,11 @@
           <a:bodyPr/>
           <a:lstStyle/>
           <a:p>
+            <a:pPr>
+              <a:buClr>
+                <a:schemeClr val="tx1"/>
+              </a:buClr>
+            </a:pPr>
             <a:r>
               <a:rPr lang="bg-BG" b="1" dirty="0">
                 <a:solidFill>
@@ -8301,6 +8306,36 @@
           </a:p>
         </p:txBody>
       </p:sp>
+      <p:sp>
+        <p:nvSpPr>
+          <p:cNvPr id="3" name="Slide Number Placeholder 2">
+            <a:extLst>
+              <a:ext uri="{FF2B5EF4-FFF2-40B4-BE49-F238E27FC236}">
+                <a16:creationId xmlns:a16="http://schemas.microsoft.com/office/drawing/2014/main" id="{DB59D7DC-3142-E8EF-49B7-9A0FBDD117DB}"/>
+              </a:ext>
+            </a:extLst>
+          </p:cNvPr>
+          <p:cNvSpPr>
+            <a:spLocks noGrp="1"/>
+          </p:cNvSpPr>
+          <p:nvPr>
+            <p:ph type="sldNum" sz="quarter" idx="5"/>
+          </p:nvPr>
+        </p:nvSpPr>
+        <p:spPr/>
+        <p:txBody>
+          <a:bodyPr/>
+          <a:lstStyle/>
+          <a:p>
+            <a:fld id="{2BF067CD-8E6B-4360-9AA8-C5DF2A48A6D1}" type="slidenum">
+              <a:rPr lang="en-US" noProof="0" smtClean="0"/>
+              <a:pPr/>
+              <a:t>12</a:t>
+            </a:fld>
+            <a:endParaRPr lang="en-US" noProof="0" dirty="0"/>
+          </a:p>
+        </p:txBody>
+      </p:sp>
     </p:spTree>
     <p:extLst>
       <p:ext uri="{BB962C8B-B14F-4D97-AF65-F5344CB8AC3E}">
@@ -9555,7 +9590,70 @@
                   </a:outerShdw>
                 </a:effectLst>
               </a:rPr>
-              <a:t>Ще променим локацията му на екрана </a:t>
+              <a:t>Ще </a:t>
+            </a:r>
+            <a:r>
+              <a:rPr lang="bg-BG" sz="2800" b="1" dirty="0">
+                <a:solidFill>
+                  <a:schemeClr val="bg2"/>
+                </a:solidFill>
+                <a:effectLst>
+                  <a:outerShdw blurRad="38100" dist="38100" dir="2700000" algn="tl">
+                    <a:srgbClr val="000000">
+                      <a:alpha val="43137"/>
+                    </a:srgbClr>
+                  </a:outerShdw>
+                </a:effectLst>
+              </a:rPr>
+              <a:t>променим</a:t>
+            </a:r>
+            <a:r>
+              <a:rPr lang="bg-BG" sz="2800" b="1" dirty="0">
+                <a:solidFill>
+                  <a:srgbClr val="FFFFFF"/>
+                </a:solidFill>
+                <a:effectLst>
+                  <a:outerShdw blurRad="38100" dist="38100" dir="2700000" algn="tl">
+                    <a:srgbClr val="000000">
+                      <a:alpha val="43137"/>
+                    </a:srgbClr>
+                  </a:outerShdw>
+                </a:effectLst>
+              </a:rPr>
+              <a:t> </a:t>
+            </a:r>
+            <a:r>
+              <a:rPr lang="bg-BG" sz="2800" b="1" dirty="0">
+                <a:solidFill>
+                  <a:schemeClr val="accent1">
+                    <a:lumMod val="60000"/>
+                    <a:lumOff val="40000"/>
+                  </a:schemeClr>
+                </a:solidFill>
+                <a:effectLst>
+                  <a:outerShdw blurRad="38100" dist="38100" dir="2700000" algn="tl">
+                    <a:srgbClr val="000000">
+                      <a:alpha val="43137"/>
+                    </a:srgbClr>
+                  </a:outerShdw>
+                </a:effectLst>
+              </a:rPr>
+              <a:t>локацията</a:t>
+            </a:r>
+            <a:r>
+              <a:rPr lang="bg-BG" sz="2800" b="1" dirty="0">
+                <a:solidFill>
+                  <a:srgbClr val="FFFFFF"/>
+                </a:solidFill>
+                <a:effectLst>
+                  <a:outerShdw blurRad="38100" dist="38100" dir="2700000" algn="tl">
+                    <a:srgbClr val="000000">
+                      <a:alpha val="43137"/>
+                    </a:srgbClr>
+                  </a:outerShdw>
+                </a:effectLst>
+              </a:rPr>
+              <a:t> му на екрана </a:t>
             </a:r>
             <a:endParaRPr lang="en-US" sz="2800" b="1" dirty="0">
               <a:solidFill>
@@ -12011,132 +12109,6 @@
               <a:rPr lang="bg-BG" dirty="0"/>
               <a:t>Какво научихме днес?</a:t>
             </a:r>
-            <a:endParaRPr lang="en-US" dirty="0"/>
-          </a:p>
-        </p:txBody>
-      </p:sp>
-      <p:sp>
-        <p:nvSpPr>
-          <p:cNvPr id="6" name="Slide Number Placeholder 5"/>
-          <p:cNvSpPr>
-            <a:spLocks noGrp="1"/>
-          </p:cNvSpPr>
-          <p:nvPr>
-            <p:ph type="sldNum" sz="quarter" idx="13"/>
-          </p:nvPr>
-        </p:nvSpPr>
-        <p:spPr>
-          <a:xfrm>
-            <a:off x="11566412" y="6397196"/>
-            <a:ext cx="428822" cy="308845"/>
-          </a:xfrm>
-          <a:prstGeom prst="rect">
-            <a:avLst/>
-          </a:prstGeom>
-        </p:spPr>
-        <p:txBody>
-          <a:bodyPr vert="horz" lIns="36000" tIns="36000" rIns="36000" bIns="36000" rtlCol="0" anchor="ctr"/>
-          <a:lstStyle>
-            <a:defPPr>
-              <a:defRPr lang="en-US"/>
-            </a:defPPr>
-            <a:lvl1pPr marL="0" algn="r" defTabSz="914400" rtl="0" eaLnBrk="1" latinLnBrk="0" hangingPunct="1">
-              <a:defRPr sz="1000" kern="1200">
-                <a:solidFill>
-                  <a:schemeClr val="tx1"/>
-                </a:solidFill>
-                <a:latin typeface="+mn-lt"/>
-                <a:ea typeface="+mn-ea"/>
-                <a:cs typeface="+mn-cs"/>
-              </a:defRPr>
-            </a:lvl1pPr>
-            <a:lvl2pPr marL="457200" algn="l" defTabSz="914400" rtl="0" eaLnBrk="1" latinLnBrk="0" hangingPunct="1">
-              <a:defRPr sz="1800" kern="1200">
-                <a:solidFill>
-                  <a:schemeClr val="tx1"/>
-                </a:solidFill>
-                <a:latin typeface="+mn-lt"/>
-                <a:ea typeface="+mn-ea"/>
-                <a:cs typeface="+mn-cs"/>
-              </a:defRPr>
-            </a:lvl2pPr>
-            <a:lvl3pPr marL="914400" algn="l" defTabSz="914400" rtl="0" eaLnBrk="1" latinLnBrk="0" hangingPunct="1">
-              <a:defRPr sz="1800" kern="1200">
-                <a:solidFill>
-                  <a:schemeClr val="tx1"/>
-                </a:solidFill>
-                <a:latin typeface="+mn-lt"/>
-                <a:ea typeface="+mn-ea"/>
-                <a:cs typeface="+mn-cs"/>
-              </a:defRPr>
-            </a:lvl3pPr>
-            <a:lvl4pPr marL="1371600" algn="l" defTabSz="914400" rtl="0" eaLnBrk="1" latinLnBrk="0" hangingPunct="1">
-              <a:defRPr sz="1800" kern="1200">
-                <a:solidFill>
-                  <a:schemeClr val="tx1"/>
-                </a:solidFill>
-                <a:latin typeface="+mn-lt"/>
-                <a:ea typeface="+mn-ea"/>
-                <a:cs typeface="+mn-cs"/>
-              </a:defRPr>
-            </a:lvl4pPr>
-            <a:lvl5pPr marL="1828800" algn="l" defTabSz="914400" rtl="0" eaLnBrk="1" latinLnBrk="0" hangingPunct="1">
-              <a:defRPr sz="1800" kern="1200">
-                <a:solidFill>
-                  <a:schemeClr val="tx1"/>
-                </a:solidFill>
-                <a:latin typeface="+mn-lt"/>
-                <a:ea typeface="+mn-ea"/>
-                <a:cs typeface="+mn-cs"/>
-              </a:defRPr>
-            </a:lvl5pPr>
-            <a:lvl6pPr marL="2286000" algn="l" defTabSz="914400" rtl="0" eaLnBrk="1" latinLnBrk="0" hangingPunct="1">
-              <a:defRPr sz="1800" kern="1200">
-                <a:solidFill>
-                  <a:schemeClr val="tx1"/>
-                </a:solidFill>
-                <a:latin typeface="+mn-lt"/>
-                <a:ea typeface="+mn-ea"/>
-                <a:cs typeface="+mn-cs"/>
-              </a:defRPr>
-            </a:lvl6pPr>
-            <a:lvl7pPr marL="2743200" algn="l" defTabSz="914400" rtl="0" eaLnBrk="1" latinLnBrk="0" hangingPunct="1">
-              <a:defRPr sz="1800" kern="1200">
-                <a:solidFill>
-                  <a:schemeClr val="tx1"/>
-                </a:solidFill>
-                <a:latin typeface="+mn-lt"/>
-                <a:ea typeface="+mn-ea"/>
-                <a:cs typeface="+mn-cs"/>
-              </a:defRPr>
-            </a:lvl7pPr>
-            <a:lvl8pPr marL="3200400" algn="l" defTabSz="914400" rtl="0" eaLnBrk="1" latinLnBrk="0" hangingPunct="1">
-              <a:defRPr sz="1800" kern="1200">
-                <a:solidFill>
-                  <a:schemeClr val="tx1"/>
-                </a:solidFill>
-                <a:latin typeface="+mn-lt"/>
-                <a:ea typeface="+mn-ea"/>
-                <a:cs typeface="+mn-cs"/>
-              </a:defRPr>
-            </a:lvl8pPr>
-            <a:lvl9pPr marL="3657600" algn="l" defTabSz="914400" rtl="0" eaLnBrk="1" latinLnBrk="0" hangingPunct="1">
-              <a:defRPr sz="1800" kern="1200">
-                <a:solidFill>
-                  <a:schemeClr val="tx1"/>
-                </a:solidFill>
-                <a:latin typeface="+mn-lt"/>
-                <a:ea typeface="+mn-ea"/>
-                <a:cs typeface="+mn-cs"/>
-              </a:defRPr>
-            </a:lvl9pPr>
-          </a:lstStyle>
-          <a:p>
-            <a:fld id="{C014DD1E-5D91-48A3-AD6D-45FBA980D106}" type="slidenum">
-              <a:rPr lang="en-US" smtClean="0"/>
-              <a:pPr/>
-              <a:t>21</a:t>
-            </a:fld>
             <a:endParaRPr lang="en-US" dirty="0"/>
           </a:p>
         </p:txBody>
@@ -13981,6 +13953,36 @@
           </a:extLst>
         </p:spPr>
       </p:pic>
+      <p:sp>
+        <p:nvSpPr>
+          <p:cNvPr id="2" name="Slide Number Placeholder 1">
+            <a:extLst>
+              <a:ext uri="{FF2B5EF4-FFF2-40B4-BE49-F238E27FC236}">
+                <a16:creationId xmlns:a16="http://schemas.microsoft.com/office/drawing/2014/main" id="{A18D1B56-471A-024E-28B0-9843BBBF655E}"/>
+              </a:ext>
+            </a:extLst>
+          </p:cNvPr>
+          <p:cNvSpPr>
+            <a:spLocks noGrp="1"/>
+          </p:cNvSpPr>
+          <p:nvPr>
+            <p:ph type="sldNum" sz="quarter" idx="5"/>
+          </p:nvPr>
+        </p:nvSpPr>
+        <p:spPr/>
+        <p:txBody>
+          <a:bodyPr/>
+          <a:lstStyle/>
+          <a:p>
+            <a:fld id="{2BF067CD-8E6B-4360-9AA8-C5DF2A48A6D1}" type="slidenum">
+              <a:rPr lang="en-US" noProof="0" smtClean="0"/>
+              <a:pPr/>
+              <a:t>4</a:t>
+            </a:fld>
+            <a:endParaRPr lang="en-US" noProof="0" dirty="0"/>
+          </a:p>
+        </p:txBody>
+      </p:sp>
     </p:spTree>
     <p:extLst>
       <p:ext uri="{BB962C8B-B14F-4D97-AF65-F5344CB8AC3E}">
@@ -15738,6 +15740,36 @@
           </a:prstGeom>
         </p:spPr>
       </p:pic>
+      <p:sp>
+        <p:nvSpPr>
+          <p:cNvPr id="2" name="Slide Number Placeholder 1">
+            <a:extLst>
+              <a:ext uri="{FF2B5EF4-FFF2-40B4-BE49-F238E27FC236}">
+                <a16:creationId xmlns:a16="http://schemas.microsoft.com/office/drawing/2014/main" id="{B03D0F38-FE91-0734-BE58-4BCAEC6C6D6B}"/>
+              </a:ext>
+            </a:extLst>
+          </p:cNvPr>
+          <p:cNvSpPr>
+            <a:spLocks noGrp="1"/>
+          </p:cNvSpPr>
+          <p:nvPr>
+            <p:ph type="sldNum" sz="quarter" idx="5"/>
+          </p:nvPr>
+        </p:nvSpPr>
+        <p:spPr/>
+        <p:txBody>
+          <a:bodyPr/>
+          <a:lstStyle/>
+          <a:p>
+            <a:fld id="{2BF067CD-8E6B-4360-9AA8-C5DF2A48A6D1}" type="slidenum">
+              <a:rPr lang="en-US" noProof="0" smtClean="0"/>
+              <a:pPr/>
+              <a:t>8</a:t>
+            </a:fld>
+            <a:endParaRPr lang="en-US" noProof="0" dirty="0"/>
+          </a:p>
+        </p:txBody>
+      </p:sp>
     </p:spTree>
     <p:extLst>
       <p:ext uri="{BB962C8B-B14F-4D97-AF65-F5344CB8AC3E}">
